--- a/report/pipeline.pptx
+++ b/report/pipeline.pptx
@@ -6,6 +6,7 @@
   </p:sldMasterIdLst>
   <p:sldIdLst>
     <p:sldId id="256" r:id="rId2"/>
+    <p:sldId id="257" r:id="rId3"/>
   </p:sldIdLst>
   <p:sldSz cx="12192000" cy="6858000"/>
   <p:notesSz cx="6858000" cy="9144000"/>
@@ -104,6 +105,11 @@
       </a:defRPr>
     </a:lvl9pPr>
   </p:defaultTextStyle>
+  <p:extLst>
+    <p:ext uri="{EFAFB233-063F-42B5-8137-9DF3F51BA10A}">
+      <p15:sldGuideLst xmlns:p15="http://schemas.microsoft.com/office/powerpoint/2012/main"/>
+    </p:ext>
+  </p:extLst>
 </p:presentation>
 </file>
 
@@ -254,7 +260,7 @@
           <a:p>
             <a:fld id="{DB7EFF23-BF2F-4FDC-9E56-895EB5EAFC28}" type="datetimeFigureOut">
               <a:rPr lang="it-IT" smtClean="0"/>
-              <a:t>14/05/2020</a:t>
+              <a:t>09/06/2020</a:t>
             </a:fld>
             <a:endParaRPr lang="it-IT"/>
           </a:p>
@@ -452,7 +458,7 @@
           <a:p>
             <a:fld id="{DB7EFF23-BF2F-4FDC-9E56-895EB5EAFC28}" type="datetimeFigureOut">
               <a:rPr lang="it-IT" smtClean="0"/>
-              <a:t>14/05/2020</a:t>
+              <a:t>09/06/2020</a:t>
             </a:fld>
             <a:endParaRPr lang="it-IT"/>
           </a:p>
@@ -660,7 +666,7 @@
           <a:p>
             <a:fld id="{DB7EFF23-BF2F-4FDC-9E56-895EB5EAFC28}" type="datetimeFigureOut">
               <a:rPr lang="it-IT" smtClean="0"/>
-              <a:t>14/05/2020</a:t>
+              <a:t>09/06/2020</a:t>
             </a:fld>
             <a:endParaRPr lang="it-IT"/>
           </a:p>
@@ -858,7 +864,7 @@
           <a:p>
             <a:fld id="{DB7EFF23-BF2F-4FDC-9E56-895EB5EAFC28}" type="datetimeFigureOut">
               <a:rPr lang="it-IT" smtClean="0"/>
-              <a:t>14/05/2020</a:t>
+              <a:t>09/06/2020</a:t>
             </a:fld>
             <a:endParaRPr lang="it-IT"/>
           </a:p>
@@ -1133,7 +1139,7 @@
           <a:p>
             <a:fld id="{DB7EFF23-BF2F-4FDC-9E56-895EB5EAFC28}" type="datetimeFigureOut">
               <a:rPr lang="it-IT" smtClean="0"/>
-              <a:t>14/05/2020</a:t>
+              <a:t>09/06/2020</a:t>
             </a:fld>
             <a:endParaRPr lang="it-IT"/>
           </a:p>
@@ -1398,7 +1404,7 @@
           <a:p>
             <a:fld id="{DB7EFF23-BF2F-4FDC-9E56-895EB5EAFC28}" type="datetimeFigureOut">
               <a:rPr lang="it-IT" smtClean="0"/>
-              <a:t>14/05/2020</a:t>
+              <a:t>09/06/2020</a:t>
             </a:fld>
             <a:endParaRPr lang="it-IT"/>
           </a:p>
@@ -1810,7 +1816,7 @@
           <a:p>
             <a:fld id="{DB7EFF23-BF2F-4FDC-9E56-895EB5EAFC28}" type="datetimeFigureOut">
               <a:rPr lang="it-IT" smtClean="0"/>
-              <a:t>14/05/2020</a:t>
+              <a:t>09/06/2020</a:t>
             </a:fld>
             <a:endParaRPr lang="it-IT"/>
           </a:p>
@@ -1951,7 +1957,7 @@
           <a:p>
             <a:fld id="{DB7EFF23-BF2F-4FDC-9E56-895EB5EAFC28}" type="datetimeFigureOut">
               <a:rPr lang="it-IT" smtClean="0"/>
-              <a:t>14/05/2020</a:t>
+              <a:t>09/06/2020</a:t>
             </a:fld>
             <a:endParaRPr lang="it-IT"/>
           </a:p>
@@ -2064,7 +2070,7 @@
           <a:p>
             <a:fld id="{DB7EFF23-BF2F-4FDC-9E56-895EB5EAFC28}" type="datetimeFigureOut">
               <a:rPr lang="it-IT" smtClean="0"/>
-              <a:t>14/05/2020</a:t>
+              <a:t>09/06/2020</a:t>
             </a:fld>
             <a:endParaRPr lang="it-IT"/>
           </a:p>
@@ -2375,7 +2381,7 @@
           <a:p>
             <a:fld id="{DB7EFF23-BF2F-4FDC-9E56-895EB5EAFC28}" type="datetimeFigureOut">
               <a:rPr lang="it-IT" smtClean="0"/>
-              <a:t>14/05/2020</a:t>
+              <a:t>09/06/2020</a:t>
             </a:fld>
             <a:endParaRPr lang="it-IT"/>
           </a:p>
@@ -2663,7 +2669,7 @@
           <a:p>
             <a:fld id="{DB7EFF23-BF2F-4FDC-9E56-895EB5EAFC28}" type="datetimeFigureOut">
               <a:rPr lang="it-IT" smtClean="0"/>
-              <a:t>14/05/2020</a:t>
+              <a:t>09/06/2020</a:t>
             </a:fld>
             <a:endParaRPr lang="it-IT"/>
           </a:p>
@@ -2904,7 +2910,7 @@
           <a:p>
             <a:fld id="{DB7EFF23-BF2F-4FDC-9E56-895EB5EAFC28}" type="datetimeFigureOut">
               <a:rPr lang="it-IT" smtClean="0"/>
-              <a:t>14/05/2020</a:t>
+              <a:t>09/06/2020</a:t>
             </a:fld>
             <a:endParaRPr lang="it-IT"/>
           </a:p>
@@ -3450,7 +3456,7 @@
           <a:p>
             <a:pPr algn="ctr"/>
             <a:r>
-              <a:rPr lang="en-US" dirty="0" err="1"/>
+              <a:rPr lang="en-US" dirty="0"/>
               <a:t>Yt_video</a:t>
             </a:r>
             <a:endParaRPr lang="it-IT" dirty="0"/>
@@ -3500,10 +3506,9 @@
           <a:p>
             <a:pPr algn="ctr"/>
             <a:r>
-              <a:rPr lang="en-US" dirty="0" err="1"/>
+              <a:rPr lang="en-US" dirty="0"/>
               <a:t>scraper_producer</a:t>
             </a:r>
-            <a:endParaRPr lang="en-US" dirty="0"/>
           </a:p>
           <a:p>
             <a:pPr algn="ctr"/>
@@ -3558,10 +3563,9 @@
           <a:p>
             <a:pPr algn="ctr"/>
             <a:r>
-              <a:rPr lang="en-US" dirty="0" err="1"/>
+              <a:rPr lang="en-US" dirty="0"/>
               <a:t>scraper_consumer</a:t>
             </a:r>
-            <a:endParaRPr lang="en-US" dirty="0"/>
           </a:p>
           <a:p>
             <a:pPr algn="ctr"/>
@@ -3668,7 +3672,7 @@
           </a:prstGeom>
           <a:gradFill>
             <a:gsLst>
-              <a:gs pos="75000">
+              <a:gs pos="71000">
                 <a:schemeClr val="accent6"/>
               </a:gs>
               <a:gs pos="0">
@@ -3755,7 +3759,7 @@
           <a:p>
             <a:pPr algn="ctr"/>
             <a:r>
-              <a:rPr lang="en-US" dirty="0" err="1"/>
+              <a:rPr lang="en-US" dirty="0"/>
               <a:t>Youtube</a:t>
             </a:r>
             <a:endParaRPr lang="it-IT" dirty="0"/>
@@ -4045,6 +4049,1451 @@
     <p:extLst>
       <p:ext uri="{BB962C8B-B14F-4D97-AF65-F5344CB8AC3E}">
         <p14:creationId xmlns:p14="http://schemas.microsoft.com/office/powerpoint/2010/main" val="2757615417"/>
+      </p:ext>
+    </p:extLst>
+  </p:cSld>
+  <p:clrMapOvr>
+    <a:masterClrMapping/>
+  </p:clrMapOvr>
+</p:sld>
+</file>
+
+<file path=ppt/slides/slide2.xml><?xml version="1.0" encoding="utf-8"?>
+<p:sld xmlns:a="http://schemas.openxmlformats.org/drawingml/2006/main" xmlns:r="http://schemas.openxmlformats.org/officeDocument/2006/relationships" xmlns:p="http://schemas.openxmlformats.org/presentationml/2006/main">
+  <p:cSld>
+    <p:spTree>
+      <p:nvGrpSpPr>
+        <p:cNvPr id="1" name=""/>
+        <p:cNvGrpSpPr/>
+        <p:nvPr/>
+      </p:nvGrpSpPr>
+      <p:grpSpPr>
+        <a:xfrm>
+          <a:off x="0" y="0"/>
+          <a:ext cx="0" cy="0"/>
+          <a:chOff x="0" y="0"/>
+          <a:chExt cx="0" cy="0"/>
+        </a:xfrm>
+      </p:grpSpPr>
+      <p:sp>
+        <p:nvSpPr>
+          <p:cNvPr id="4" name="Cilindro 3">
+            <a:extLst>
+              <a:ext uri="{FF2B5EF4-FFF2-40B4-BE49-F238E27FC236}">
+                <a16:creationId xmlns:a16="http://schemas.microsoft.com/office/drawing/2014/main" id="{A3BF5775-84D8-43D6-BE94-9CFBB4E467AA}"/>
+              </a:ext>
+            </a:extLst>
+          </p:cNvPr>
+          <p:cNvSpPr/>
+          <p:nvPr/>
+        </p:nvSpPr>
+        <p:spPr>
+          <a:xfrm>
+            <a:off x="1904301" y="4001550"/>
+            <a:ext cx="2374084" cy="2506210"/>
+          </a:xfrm>
+          <a:prstGeom prst="can">
+            <a:avLst/>
+          </a:prstGeom>
+        </p:spPr>
+        <p:style>
+          <a:lnRef idx="2">
+            <a:schemeClr val="accent5">
+              <a:shade val="50000"/>
+            </a:schemeClr>
+          </a:lnRef>
+          <a:fillRef idx="1">
+            <a:schemeClr val="accent5"/>
+          </a:fillRef>
+          <a:effectRef idx="0">
+            <a:schemeClr val="accent5"/>
+          </a:effectRef>
+          <a:fontRef idx="minor">
+            <a:schemeClr val="lt1"/>
+          </a:fontRef>
+        </p:style>
+        <p:txBody>
+          <a:bodyPr rtlCol="0" anchor="t" anchorCtr="0"/>
+          <a:lstStyle/>
+          <a:p>
+            <a:pPr algn="ctr"/>
+            <a:r>
+              <a:rPr lang="en-US" dirty="0"/>
+              <a:t>rs1</a:t>
+            </a:r>
+          </a:p>
+          <a:p>
+            <a:pPr algn="ctr"/>
+            <a:endParaRPr lang="en-US" dirty="0"/>
+          </a:p>
+          <a:p>
+            <a:pPr algn="ctr"/>
+            <a:r>
+              <a:rPr lang="en-US" dirty="0"/>
+              <a:t>Replica Shard Group</a:t>
+            </a:r>
+            <a:endParaRPr lang="it-IT" dirty="0"/>
+          </a:p>
+        </p:txBody>
+      </p:sp>
+      <p:sp>
+        <p:nvSpPr>
+          <p:cNvPr id="7" name="Rettangolo con angoli arrotondati 6">
+            <a:extLst>
+              <a:ext uri="{FF2B5EF4-FFF2-40B4-BE49-F238E27FC236}">
+                <a16:creationId xmlns:a16="http://schemas.microsoft.com/office/drawing/2014/main" id="{91D431A0-F812-46F8-9103-B74030F51D4D}"/>
+              </a:ext>
+            </a:extLst>
+          </p:cNvPr>
+          <p:cNvSpPr/>
+          <p:nvPr/>
+        </p:nvSpPr>
+        <p:spPr>
+          <a:xfrm>
+            <a:off x="2060491" y="5594507"/>
+            <a:ext cx="607295" cy="457502"/>
+          </a:xfrm>
+          <a:prstGeom prst="roundRect">
+            <a:avLst/>
+          </a:prstGeom>
+        </p:spPr>
+        <p:style>
+          <a:lnRef idx="2">
+            <a:schemeClr val="accent1">
+              <a:shade val="50000"/>
+            </a:schemeClr>
+          </a:lnRef>
+          <a:fillRef idx="1">
+            <a:schemeClr val="accent1"/>
+          </a:fillRef>
+          <a:effectRef idx="0">
+            <a:schemeClr val="accent1"/>
+          </a:effectRef>
+          <a:fontRef idx="minor">
+            <a:schemeClr val="lt1"/>
+          </a:fontRef>
+        </p:style>
+        <p:txBody>
+          <a:bodyPr rtlCol="0" anchor="ctr"/>
+          <a:lstStyle/>
+          <a:p>
+            <a:pPr algn="ctr"/>
+            <a:r>
+              <a:rPr lang="en-US" sz="1200" dirty="0"/>
+              <a:t>Shard 1_1</a:t>
+            </a:r>
+            <a:endParaRPr lang="it-IT" sz="1200" dirty="0"/>
+          </a:p>
+        </p:txBody>
+      </p:sp>
+      <p:sp>
+        <p:nvSpPr>
+          <p:cNvPr id="8" name="Rettangolo con angoli arrotondati 7">
+            <a:extLst>
+              <a:ext uri="{FF2B5EF4-FFF2-40B4-BE49-F238E27FC236}">
+                <a16:creationId xmlns:a16="http://schemas.microsoft.com/office/drawing/2014/main" id="{505A24D6-62C6-4DB9-8027-A7D3762BD29B}"/>
+              </a:ext>
+            </a:extLst>
+          </p:cNvPr>
+          <p:cNvSpPr/>
+          <p:nvPr/>
+        </p:nvSpPr>
+        <p:spPr>
+          <a:xfrm>
+            <a:off x="2784203" y="5728990"/>
+            <a:ext cx="607295" cy="457502"/>
+          </a:xfrm>
+          <a:prstGeom prst="roundRect">
+            <a:avLst/>
+          </a:prstGeom>
+        </p:spPr>
+        <p:style>
+          <a:lnRef idx="2">
+            <a:schemeClr val="accent1">
+              <a:shade val="50000"/>
+            </a:schemeClr>
+          </a:lnRef>
+          <a:fillRef idx="1">
+            <a:schemeClr val="accent1"/>
+          </a:fillRef>
+          <a:effectRef idx="0">
+            <a:schemeClr val="accent1"/>
+          </a:effectRef>
+          <a:fontRef idx="minor">
+            <a:schemeClr val="lt1"/>
+          </a:fontRef>
+        </p:style>
+        <p:txBody>
+          <a:bodyPr rtlCol="0" anchor="ctr"/>
+          <a:lstStyle/>
+          <a:p>
+            <a:pPr algn="ctr"/>
+            <a:r>
+              <a:rPr lang="en-US" sz="1200" dirty="0"/>
+              <a:t>Shard 1_2</a:t>
+            </a:r>
+            <a:endParaRPr lang="it-IT" sz="1200" dirty="0"/>
+          </a:p>
+        </p:txBody>
+      </p:sp>
+      <p:sp>
+        <p:nvSpPr>
+          <p:cNvPr id="9" name="Rettangolo con angoli arrotondati 8">
+            <a:extLst>
+              <a:ext uri="{FF2B5EF4-FFF2-40B4-BE49-F238E27FC236}">
+                <a16:creationId xmlns:a16="http://schemas.microsoft.com/office/drawing/2014/main" id="{32FFD5A0-8241-43BA-B996-3B1713A2B61D}"/>
+              </a:ext>
+            </a:extLst>
+          </p:cNvPr>
+          <p:cNvSpPr/>
+          <p:nvPr/>
+        </p:nvSpPr>
+        <p:spPr>
+          <a:xfrm>
+            <a:off x="3507915" y="5594507"/>
+            <a:ext cx="607295" cy="457502"/>
+          </a:xfrm>
+          <a:prstGeom prst="roundRect">
+            <a:avLst/>
+          </a:prstGeom>
+        </p:spPr>
+        <p:style>
+          <a:lnRef idx="2">
+            <a:schemeClr val="accent1">
+              <a:shade val="50000"/>
+            </a:schemeClr>
+          </a:lnRef>
+          <a:fillRef idx="1">
+            <a:schemeClr val="accent1"/>
+          </a:fillRef>
+          <a:effectRef idx="0">
+            <a:schemeClr val="accent1"/>
+          </a:effectRef>
+          <a:fontRef idx="minor">
+            <a:schemeClr val="lt1"/>
+          </a:fontRef>
+        </p:style>
+        <p:txBody>
+          <a:bodyPr rtlCol="0" anchor="ctr"/>
+          <a:lstStyle/>
+          <a:p>
+            <a:pPr algn="ctr"/>
+            <a:r>
+              <a:rPr lang="en-US" sz="1200" dirty="0"/>
+              <a:t>Shard 1_3</a:t>
+            </a:r>
+            <a:endParaRPr lang="it-IT" sz="1200" dirty="0"/>
+          </a:p>
+        </p:txBody>
+      </p:sp>
+      <p:sp>
+        <p:nvSpPr>
+          <p:cNvPr id="10" name="Cilindro 9">
+            <a:extLst>
+              <a:ext uri="{FF2B5EF4-FFF2-40B4-BE49-F238E27FC236}">
+                <a16:creationId xmlns:a16="http://schemas.microsoft.com/office/drawing/2014/main" id="{2D1ECBE9-F0D2-4918-8BE6-314113C2C230}"/>
+              </a:ext>
+            </a:extLst>
+          </p:cNvPr>
+          <p:cNvSpPr/>
+          <p:nvPr/>
+        </p:nvSpPr>
+        <p:spPr>
+          <a:xfrm>
+            <a:off x="4955339" y="4001550"/>
+            <a:ext cx="2374084" cy="2506210"/>
+          </a:xfrm>
+          <a:prstGeom prst="can">
+            <a:avLst/>
+          </a:prstGeom>
+        </p:spPr>
+        <p:style>
+          <a:lnRef idx="2">
+            <a:schemeClr val="accent5">
+              <a:shade val="50000"/>
+            </a:schemeClr>
+          </a:lnRef>
+          <a:fillRef idx="1">
+            <a:schemeClr val="accent5"/>
+          </a:fillRef>
+          <a:effectRef idx="0">
+            <a:schemeClr val="accent5"/>
+          </a:effectRef>
+          <a:fontRef idx="minor">
+            <a:schemeClr val="lt1"/>
+          </a:fontRef>
+        </p:style>
+        <p:txBody>
+          <a:bodyPr rtlCol="0" anchor="t" anchorCtr="0"/>
+          <a:lstStyle/>
+          <a:p>
+            <a:pPr algn="ctr"/>
+            <a:r>
+              <a:rPr lang="en-US" dirty="0"/>
+              <a:t>rs2</a:t>
+            </a:r>
+          </a:p>
+          <a:p>
+            <a:pPr algn="ctr"/>
+            <a:endParaRPr lang="en-US" dirty="0"/>
+          </a:p>
+          <a:p>
+            <a:pPr algn="ctr"/>
+            <a:r>
+              <a:rPr lang="en-US" dirty="0"/>
+              <a:t>Replica Shard Group</a:t>
+            </a:r>
+            <a:endParaRPr lang="it-IT" dirty="0"/>
+          </a:p>
+        </p:txBody>
+      </p:sp>
+      <p:sp>
+        <p:nvSpPr>
+          <p:cNvPr id="11" name="Rettangolo con angoli arrotondati 10">
+            <a:extLst>
+              <a:ext uri="{FF2B5EF4-FFF2-40B4-BE49-F238E27FC236}">
+                <a16:creationId xmlns:a16="http://schemas.microsoft.com/office/drawing/2014/main" id="{9C15D7FC-2D5A-494B-848A-04AC88307373}"/>
+              </a:ext>
+            </a:extLst>
+          </p:cNvPr>
+          <p:cNvSpPr/>
+          <p:nvPr/>
+        </p:nvSpPr>
+        <p:spPr>
+          <a:xfrm>
+            <a:off x="5111529" y="5594507"/>
+            <a:ext cx="607295" cy="457502"/>
+          </a:xfrm>
+          <a:prstGeom prst="roundRect">
+            <a:avLst/>
+          </a:prstGeom>
+        </p:spPr>
+        <p:style>
+          <a:lnRef idx="2">
+            <a:schemeClr val="accent1">
+              <a:shade val="50000"/>
+            </a:schemeClr>
+          </a:lnRef>
+          <a:fillRef idx="1">
+            <a:schemeClr val="accent1"/>
+          </a:fillRef>
+          <a:effectRef idx="0">
+            <a:schemeClr val="accent1"/>
+          </a:effectRef>
+          <a:fontRef idx="minor">
+            <a:schemeClr val="lt1"/>
+          </a:fontRef>
+        </p:style>
+        <p:txBody>
+          <a:bodyPr rtlCol="0" anchor="ctr"/>
+          <a:lstStyle/>
+          <a:p>
+            <a:pPr algn="ctr"/>
+            <a:r>
+              <a:rPr lang="en-US" sz="1200" dirty="0"/>
+              <a:t>Shard 2_1</a:t>
+            </a:r>
+            <a:endParaRPr lang="it-IT" sz="1200" dirty="0"/>
+          </a:p>
+        </p:txBody>
+      </p:sp>
+      <p:sp>
+        <p:nvSpPr>
+          <p:cNvPr id="12" name="Rettangolo con angoli arrotondati 11">
+            <a:extLst>
+              <a:ext uri="{FF2B5EF4-FFF2-40B4-BE49-F238E27FC236}">
+                <a16:creationId xmlns:a16="http://schemas.microsoft.com/office/drawing/2014/main" id="{FD503D28-8EBA-43FF-AA47-CFB218A9BB83}"/>
+              </a:ext>
+            </a:extLst>
+          </p:cNvPr>
+          <p:cNvSpPr/>
+          <p:nvPr/>
+        </p:nvSpPr>
+        <p:spPr>
+          <a:xfrm>
+            <a:off x="5835241" y="5728990"/>
+            <a:ext cx="607295" cy="457502"/>
+          </a:xfrm>
+          <a:prstGeom prst="roundRect">
+            <a:avLst/>
+          </a:prstGeom>
+        </p:spPr>
+        <p:style>
+          <a:lnRef idx="2">
+            <a:schemeClr val="accent1">
+              <a:shade val="50000"/>
+            </a:schemeClr>
+          </a:lnRef>
+          <a:fillRef idx="1">
+            <a:schemeClr val="accent1"/>
+          </a:fillRef>
+          <a:effectRef idx="0">
+            <a:schemeClr val="accent1"/>
+          </a:effectRef>
+          <a:fontRef idx="minor">
+            <a:schemeClr val="lt1"/>
+          </a:fontRef>
+        </p:style>
+        <p:txBody>
+          <a:bodyPr rtlCol="0" anchor="ctr"/>
+          <a:lstStyle/>
+          <a:p>
+            <a:pPr algn="ctr"/>
+            <a:r>
+              <a:rPr lang="en-US" sz="1200" dirty="0"/>
+              <a:t>Shard 2_2</a:t>
+            </a:r>
+            <a:endParaRPr lang="it-IT" sz="1200" dirty="0"/>
+          </a:p>
+        </p:txBody>
+      </p:sp>
+      <p:sp>
+        <p:nvSpPr>
+          <p:cNvPr id="13" name="Rettangolo con angoli arrotondati 12">
+            <a:extLst>
+              <a:ext uri="{FF2B5EF4-FFF2-40B4-BE49-F238E27FC236}">
+                <a16:creationId xmlns:a16="http://schemas.microsoft.com/office/drawing/2014/main" id="{1947B3E7-8E3C-4A7B-880A-EBDD48005606}"/>
+              </a:ext>
+            </a:extLst>
+          </p:cNvPr>
+          <p:cNvSpPr/>
+          <p:nvPr/>
+        </p:nvSpPr>
+        <p:spPr>
+          <a:xfrm>
+            <a:off x="6558953" y="5594507"/>
+            <a:ext cx="607295" cy="457502"/>
+          </a:xfrm>
+          <a:prstGeom prst="roundRect">
+            <a:avLst/>
+          </a:prstGeom>
+        </p:spPr>
+        <p:style>
+          <a:lnRef idx="2">
+            <a:schemeClr val="accent1">
+              <a:shade val="50000"/>
+            </a:schemeClr>
+          </a:lnRef>
+          <a:fillRef idx="1">
+            <a:schemeClr val="accent1"/>
+          </a:fillRef>
+          <a:effectRef idx="0">
+            <a:schemeClr val="accent1"/>
+          </a:effectRef>
+          <a:fontRef idx="minor">
+            <a:schemeClr val="lt1"/>
+          </a:fontRef>
+        </p:style>
+        <p:txBody>
+          <a:bodyPr rtlCol="0" anchor="ctr"/>
+          <a:lstStyle/>
+          <a:p>
+            <a:pPr algn="ctr"/>
+            <a:r>
+              <a:rPr lang="en-US" sz="1200" dirty="0"/>
+              <a:t>Shard 2_3</a:t>
+            </a:r>
+            <a:endParaRPr lang="it-IT" sz="1200" dirty="0"/>
+          </a:p>
+        </p:txBody>
+      </p:sp>
+      <p:sp>
+        <p:nvSpPr>
+          <p:cNvPr id="14" name="Cilindro 13">
+            <a:extLst>
+              <a:ext uri="{FF2B5EF4-FFF2-40B4-BE49-F238E27FC236}">
+                <a16:creationId xmlns:a16="http://schemas.microsoft.com/office/drawing/2014/main" id="{A4EFD88F-3F3E-4487-9C5A-801825936474}"/>
+              </a:ext>
+            </a:extLst>
+          </p:cNvPr>
+          <p:cNvSpPr/>
+          <p:nvPr/>
+        </p:nvSpPr>
+        <p:spPr>
+          <a:xfrm>
+            <a:off x="8006377" y="4001550"/>
+            <a:ext cx="2374084" cy="2506210"/>
+          </a:xfrm>
+          <a:prstGeom prst="can">
+            <a:avLst/>
+          </a:prstGeom>
+        </p:spPr>
+        <p:style>
+          <a:lnRef idx="2">
+            <a:schemeClr val="accent5">
+              <a:shade val="50000"/>
+            </a:schemeClr>
+          </a:lnRef>
+          <a:fillRef idx="1">
+            <a:schemeClr val="accent5"/>
+          </a:fillRef>
+          <a:effectRef idx="0">
+            <a:schemeClr val="accent5"/>
+          </a:effectRef>
+          <a:fontRef idx="minor">
+            <a:schemeClr val="lt1"/>
+          </a:fontRef>
+        </p:style>
+        <p:txBody>
+          <a:bodyPr rtlCol="0" anchor="t" anchorCtr="0"/>
+          <a:lstStyle/>
+          <a:p>
+            <a:pPr algn="ctr"/>
+            <a:r>
+              <a:rPr lang="en-US" dirty="0"/>
+              <a:t>rs3</a:t>
+            </a:r>
+          </a:p>
+          <a:p>
+            <a:pPr algn="ctr"/>
+            <a:endParaRPr lang="en-US" dirty="0"/>
+          </a:p>
+          <a:p>
+            <a:pPr algn="ctr"/>
+            <a:r>
+              <a:rPr lang="en-US" dirty="0"/>
+              <a:t>Replica Shard Group</a:t>
+            </a:r>
+            <a:endParaRPr lang="it-IT" dirty="0"/>
+          </a:p>
+        </p:txBody>
+      </p:sp>
+      <p:sp>
+        <p:nvSpPr>
+          <p:cNvPr id="15" name="Rettangolo con angoli arrotondati 14">
+            <a:extLst>
+              <a:ext uri="{FF2B5EF4-FFF2-40B4-BE49-F238E27FC236}">
+                <a16:creationId xmlns:a16="http://schemas.microsoft.com/office/drawing/2014/main" id="{AB97BEF4-FC83-4B1A-A76E-BB5ABA2C117F}"/>
+              </a:ext>
+            </a:extLst>
+          </p:cNvPr>
+          <p:cNvSpPr/>
+          <p:nvPr/>
+        </p:nvSpPr>
+        <p:spPr>
+          <a:xfrm>
+            <a:off x="8162567" y="5594507"/>
+            <a:ext cx="607295" cy="457502"/>
+          </a:xfrm>
+          <a:prstGeom prst="roundRect">
+            <a:avLst/>
+          </a:prstGeom>
+        </p:spPr>
+        <p:style>
+          <a:lnRef idx="2">
+            <a:schemeClr val="accent1">
+              <a:shade val="50000"/>
+            </a:schemeClr>
+          </a:lnRef>
+          <a:fillRef idx="1">
+            <a:schemeClr val="accent1"/>
+          </a:fillRef>
+          <a:effectRef idx="0">
+            <a:schemeClr val="accent1"/>
+          </a:effectRef>
+          <a:fontRef idx="minor">
+            <a:schemeClr val="lt1"/>
+          </a:fontRef>
+        </p:style>
+        <p:txBody>
+          <a:bodyPr rtlCol="0" anchor="ctr"/>
+          <a:lstStyle/>
+          <a:p>
+            <a:pPr algn="ctr"/>
+            <a:r>
+              <a:rPr lang="en-US" sz="1200" dirty="0"/>
+              <a:t>Shard 3_1</a:t>
+            </a:r>
+            <a:endParaRPr lang="it-IT" sz="1200" dirty="0"/>
+          </a:p>
+        </p:txBody>
+      </p:sp>
+      <p:sp>
+        <p:nvSpPr>
+          <p:cNvPr id="16" name="Rettangolo con angoli arrotondati 15">
+            <a:extLst>
+              <a:ext uri="{FF2B5EF4-FFF2-40B4-BE49-F238E27FC236}">
+                <a16:creationId xmlns:a16="http://schemas.microsoft.com/office/drawing/2014/main" id="{459FA4AF-A4BC-49FC-99C6-F1618DB5A791}"/>
+              </a:ext>
+            </a:extLst>
+          </p:cNvPr>
+          <p:cNvSpPr/>
+          <p:nvPr/>
+        </p:nvSpPr>
+        <p:spPr>
+          <a:xfrm>
+            <a:off x="8886279" y="5728990"/>
+            <a:ext cx="607295" cy="457502"/>
+          </a:xfrm>
+          <a:prstGeom prst="roundRect">
+            <a:avLst/>
+          </a:prstGeom>
+        </p:spPr>
+        <p:style>
+          <a:lnRef idx="2">
+            <a:schemeClr val="accent1">
+              <a:shade val="50000"/>
+            </a:schemeClr>
+          </a:lnRef>
+          <a:fillRef idx="1">
+            <a:schemeClr val="accent1"/>
+          </a:fillRef>
+          <a:effectRef idx="0">
+            <a:schemeClr val="accent1"/>
+          </a:effectRef>
+          <a:fontRef idx="minor">
+            <a:schemeClr val="lt1"/>
+          </a:fontRef>
+        </p:style>
+        <p:txBody>
+          <a:bodyPr rtlCol="0" anchor="ctr"/>
+          <a:lstStyle/>
+          <a:p>
+            <a:pPr algn="ctr"/>
+            <a:r>
+              <a:rPr lang="en-US" sz="1200" dirty="0"/>
+              <a:t>Shard 3_2</a:t>
+            </a:r>
+            <a:endParaRPr lang="it-IT" sz="1200" dirty="0"/>
+          </a:p>
+        </p:txBody>
+      </p:sp>
+      <p:sp>
+        <p:nvSpPr>
+          <p:cNvPr id="17" name="Rettangolo con angoli arrotondati 16">
+            <a:extLst>
+              <a:ext uri="{FF2B5EF4-FFF2-40B4-BE49-F238E27FC236}">
+                <a16:creationId xmlns:a16="http://schemas.microsoft.com/office/drawing/2014/main" id="{6A6B0654-3842-480D-BAB4-1E812924EF23}"/>
+              </a:ext>
+            </a:extLst>
+          </p:cNvPr>
+          <p:cNvSpPr/>
+          <p:nvPr/>
+        </p:nvSpPr>
+        <p:spPr>
+          <a:xfrm>
+            <a:off x="9609991" y="5594507"/>
+            <a:ext cx="607295" cy="457502"/>
+          </a:xfrm>
+          <a:prstGeom prst="roundRect">
+            <a:avLst/>
+          </a:prstGeom>
+        </p:spPr>
+        <p:style>
+          <a:lnRef idx="2">
+            <a:schemeClr val="accent1">
+              <a:shade val="50000"/>
+            </a:schemeClr>
+          </a:lnRef>
+          <a:fillRef idx="1">
+            <a:schemeClr val="accent1"/>
+          </a:fillRef>
+          <a:effectRef idx="0">
+            <a:schemeClr val="accent1"/>
+          </a:effectRef>
+          <a:fontRef idx="minor">
+            <a:schemeClr val="lt1"/>
+          </a:fontRef>
+        </p:style>
+        <p:txBody>
+          <a:bodyPr rtlCol="0" anchor="ctr"/>
+          <a:lstStyle/>
+          <a:p>
+            <a:pPr algn="ctr"/>
+            <a:r>
+              <a:rPr lang="en-US" sz="1200" dirty="0"/>
+              <a:t>Shard 3_3</a:t>
+            </a:r>
+            <a:endParaRPr lang="it-IT" sz="1200" dirty="0"/>
+          </a:p>
+        </p:txBody>
+      </p:sp>
+      <p:sp>
+        <p:nvSpPr>
+          <p:cNvPr id="18" name="Rettangolo con angoli arrotondati 17">
+            <a:extLst>
+              <a:ext uri="{FF2B5EF4-FFF2-40B4-BE49-F238E27FC236}">
+                <a16:creationId xmlns:a16="http://schemas.microsoft.com/office/drawing/2014/main" id="{B55A9A02-FD57-41C7-B260-2409EE75375A}"/>
+              </a:ext>
+            </a:extLst>
+          </p:cNvPr>
+          <p:cNvSpPr/>
+          <p:nvPr/>
+        </p:nvSpPr>
+        <p:spPr>
+          <a:xfrm>
+            <a:off x="9493574" y="805991"/>
+            <a:ext cx="2115584" cy="2653431"/>
+          </a:xfrm>
+          <a:prstGeom prst="roundRect">
+            <a:avLst/>
+          </a:prstGeom>
+        </p:spPr>
+        <p:style>
+          <a:lnRef idx="2">
+            <a:schemeClr val="accent2">
+              <a:shade val="50000"/>
+            </a:schemeClr>
+          </a:lnRef>
+          <a:fillRef idx="1">
+            <a:schemeClr val="accent2"/>
+          </a:fillRef>
+          <a:effectRef idx="0">
+            <a:schemeClr val="accent2"/>
+          </a:effectRef>
+          <a:fontRef idx="minor">
+            <a:schemeClr val="lt1"/>
+          </a:fontRef>
+        </p:style>
+        <p:txBody>
+          <a:bodyPr rtlCol="0" anchor="t" anchorCtr="0"/>
+          <a:lstStyle/>
+          <a:p>
+            <a:pPr algn="ctr"/>
+            <a:r>
+              <a:rPr lang="en-US" dirty="0"/>
+              <a:t>rs0</a:t>
+            </a:r>
+          </a:p>
+          <a:p>
+            <a:pPr algn="ctr"/>
+            <a:endParaRPr lang="en-US" dirty="0"/>
+          </a:p>
+          <a:p>
+            <a:pPr algn="ctr"/>
+            <a:r>
+              <a:rPr lang="en-US" dirty="0"/>
+              <a:t>configServer Replica Group</a:t>
+            </a:r>
+            <a:endParaRPr lang="it-IT" dirty="0"/>
+          </a:p>
+        </p:txBody>
+      </p:sp>
+      <p:sp>
+        <p:nvSpPr>
+          <p:cNvPr id="19" name="Rettangolo con angoli arrotondati 18">
+            <a:extLst>
+              <a:ext uri="{FF2B5EF4-FFF2-40B4-BE49-F238E27FC236}">
+                <a16:creationId xmlns:a16="http://schemas.microsoft.com/office/drawing/2014/main" id="{C4283FD9-9F4A-4838-91CB-051B38FA43F3}"/>
+              </a:ext>
+            </a:extLst>
+          </p:cNvPr>
+          <p:cNvSpPr/>
+          <p:nvPr/>
+        </p:nvSpPr>
+        <p:spPr>
+          <a:xfrm>
+            <a:off x="9529751" y="2119636"/>
+            <a:ext cx="1115622" cy="345319"/>
+          </a:xfrm>
+          <a:prstGeom prst="roundRect">
+            <a:avLst/>
+          </a:prstGeom>
+          <a:solidFill>
+            <a:schemeClr val="accent4"/>
+          </a:solidFill>
+        </p:spPr>
+        <p:style>
+          <a:lnRef idx="2">
+            <a:schemeClr val="accent2">
+              <a:shade val="50000"/>
+            </a:schemeClr>
+          </a:lnRef>
+          <a:fillRef idx="1">
+            <a:schemeClr val="accent2"/>
+          </a:fillRef>
+          <a:effectRef idx="0">
+            <a:schemeClr val="accent2"/>
+          </a:effectRef>
+          <a:fontRef idx="minor">
+            <a:schemeClr val="lt1"/>
+          </a:fontRef>
+        </p:style>
+        <p:txBody>
+          <a:bodyPr rtlCol="0" anchor="ctr"/>
+          <a:lstStyle/>
+          <a:p>
+            <a:pPr algn="ctr"/>
+            <a:r>
+              <a:rPr lang="en-US" sz="1200" dirty="0"/>
+              <a:t>configServer 1</a:t>
+            </a:r>
+            <a:endParaRPr lang="it-IT" sz="1200" dirty="0"/>
+          </a:p>
+        </p:txBody>
+      </p:sp>
+      <p:sp>
+        <p:nvSpPr>
+          <p:cNvPr id="20" name="Rettangolo con angoli arrotondati 19">
+            <a:extLst>
+              <a:ext uri="{FF2B5EF4-FFF2-40B4-BE49-F238E27FC236}">
+                <a16:creationId xmlns:a16="http://schemas.microsoft.com/office/drawing/2014/main" id="{35DCF429-2DC7-4E40-BE37-2FFF9E31A561}"/>
+              </a:ext>
+            </a:extLst>
+          </p:cNvPr>
+          <p:cNvSpPr/>
+          <p:nvPr/>
+        </p:nvSpPr>
+        <p:spPr>
+          <a:xfrm>
+            <a:off x="9959283" y="2531869"/>
+            <a:ext cx="1115622" cy="345319"/>
+          </a:xfrm>
+          <a:prstGeom prst="roundRect">
+            <a:avLst/>
+          </a:prstGeom>
+          <a:solidFill>
+            <a:schemeClr val="accent4"/>
+          </a:solidFill>
+        </p:spPr>
+        <p:style>
+          <a:lnRef idx="2">
+            <a:schemeClr val="accent2">
+              <a:shade val="50000"/>
+            </a:schemeClr>
+          </a:lnRef>
+          <a:fillRef idx="1">
+            <a:schemeClr val="accent2"/>
+          </a:fillRef>
+          <a:effectRef idx="0">
+            <a:schemeClr val="accent2"/>
+          </a:effectRef>
+          <a:fontRef idx="minor">
+            <a:schemeClr val="lt1"/>
+          </a:fontRef>
+        </p:style>
+        <p:txBody>
+          <a:bodyPr rtlCol="0" anchor="ctr"/>
+          <a:lstStyle/>
+          <a:p>
+            <a:pPr algn="ctr"/>
+            <a:r>
+              <a:rPr lang="en-US" sz="1200" dirty="0"/>
+              <a:t>configServer 2</a:t>
+            </a:r>
+            <a:endParaRPr lang="it-IT" sz="1200" dirty="0"/>
+          </a:p>
+        </p:txBody>
+      </p:sp>
+      <p:sp>
+        <p:nvSpPr>
+          <p:cNvPr id="21" name="Rettangolo con angoli arrotondati 20">
+            <a:extLst>
+              <a:ext uri="{FF2B5EF4-FFF2-40B4-BE49-F238E27FC236}">
+                <a16:creationId xmlns:a16="http://schemas.microsoft.com/office/drawing/2014/main" id="{3439A3DA-4D91-4048-B513-ADB5669D4974}"/>
+              </a:ext>
+            </a:extLst>
+          </p:cNvPr>
+          <p:cNvSpPr/>
+          <p:nvPr/>
+        </p:nvSpPr>
+        <p:spPr>
+          <a:xfrm>
+            <a:off x="10380461" y="2944102"/>
+            <a:ext cx="1115622" cy="345319"/>
+          </a:xfrm>
+          <a:prstGeom prst="roundRect">
+            <a:avLst/>
+          </a:prstGeom>
+          <a:solidFill>
+            <a:schemeClr val="accent4"/>
+          </a:solidFill>
+        </p:spPr>
+        <p:style>
+          <a:lnRef idx="2">
+            <a:schemeClr val="accent2">
+              <a:shade val="50000"/>
+            </a:schemeClr>
+          </a:lnRef>
+          <a:fillRef idx="1">
+            <a:schemeClr val="accent2"/>
+          </a:fillRef>
+          <a:effectRef idx="0">
+            <a:schemeClr val="accent2"/>
+          </a:effectRef>
+          <a:fontRef idx="minor">
+            <a:schemeClr val="lt1"/>
+          </a:fontRef>
+        </p:style>
+        <p:txBody>
+          <a:bodyPr rtlCol="0" anchor="ctr"/>
+          <a:lstStyle/>
+          <a:p>
+            <a:pPr algn="ctr"/>
+            <a:r>
+              <a:rPr lang="en-US" sz="1200" dirty="0"/>
+              <a:t>configServer 3</a:t>
+            </a:r>
+            <a:endParaRPr lang="it-IT" sz="1200" dirty="0"/>
+          </a:p>
+        </p:txBody>
+      </p:sp>
+      <p:sp>
+        <p:nvSpPr>
+          <p:cNvPr id="22" name="Esagono 21">
+            <a:extLst>
+              <a:ext uri="{FF2B5EF4-FFF2-40B4-BE49-F238E27FC236}">
+                <a16:creationId xmlns:a16="http://schemas.microsoft.com/office/drawing/2014/main" id="{F2EF37B5-1C20-4248-812C-2F9C9EFB8125}"/>
+              </a:ext>
+            </a:extLst>
+          </p:cNvPr>
+          <p:cNvSpPr/>
+          <p:nvPr/>
+        </p:nvSpPr>
+        <p:spPr>
+          <a:xfrm>
+            <a:off x="4929529" y="805991"/>
+            <a:ext cx="2374084" cy="824466"/>
+          </a:xfrm>
+          <a:prstGeom prst="hexagon">
+            <a:avLst/>
+          </a:prstGeom>
+        </p:spPr>
+        <p:style>
+          <a:lnRef idx="2">
+            <a:schemeClr val="accent6">
+              <a:shade val="50000"/>
+            </a:schemeClr>
+          </a:lnRef>
+          <a:fillRef idx="1">
+            <a:schemeClr val="accent6"/>
+          </a:fillRef>
+          <a:effectRef idx="0">
+            <a:schemeClr val="accent6"/>
+          </a:effectRef>
+          <a:fontRef idx="minor">
+            <a:schemeClr val="lt1"/>
+          </a:fontRef>
+        </p:style>
+        <p:txBody>
+          <a:bodyPr rtlCol="0" anchor="ctr"/>
+          <a:lstStyle/>
+          <a:p>
+            <a:pPr algn="ctr"/>
+            <a:r>
+              <a:rPr lang="en-US" dirty="0"/>
+              <a:t>Router</a:t>
+            </a:r>
+          </a:p>
+          <a:p>
+            <a:pPr algn="ctr"/>
+            <a:r>
+              <a:rPr lang="en-US" dirty="0"/>
+              <a:t>mongos</a:t>
+            </a:r>
+            <a:endParaRPr lang="it-IT" dirty="0"/>
+          </a:p>
+        </p:txBody>
+      </p:sp>
+      <p:pic>
+        <p:nvPicPr>
+          <p:cNvPr id="1026" name="Picture 2" descr="Utente sagoma nera close up | Icona Gratis">
+            <a:extLst>
+              <a:ext uri="{FF2B5EF4-FFF2-40B4-BE49-F238E27FC236}">
+                <a16:creationId xmlns:a16="http://schemas.microsoft.com/office/drawing/2014/main" id="{F841BCC8-51ED-4CE1-9D53-DAD39C55DCE6}"/>
+              </a:ext>
+            </a:extLst>
+          </p:cNvPr>
+          <p:cNvPicPr>
+            <a:picLocks noChangeAspect="1" noChangeArrowheads="1"/>
+          </p:cNvPicPr>
+          <p:nvPr/>
+        </p:nvPicPr>
+        <p:blipFill>
+          <a:blip r:embed="rId2">
+            <a:extLst>
+              <a:ext uri="{28A0092B-C50C-407E-A947-70E740481C1C}">
+                <a14:useLocalDpi xmlns:a14="http://schemas.microsoft.com/office/drawing/2010/main" val="0"/>
+              </a:ext>
+            </a:extLst>
+          </a:blip>
+          <a:srcRect/>
+          <a:stretch>
+            <a:fillRect/>
+          </a:stretch>
+        </p:blipFill>
+        <p:spPr bwMode="auto">
+          <a:xfrm>
+            <a:off x="1925057" y="467664"/>
+            <a:ext cx="1162793" cy="1162793"/>
+          </a:xfrm>
+          <a:prstGeom prst="rect">
+            <a:avLst/>
+          </a:prstGeom>
+          <a:noFill/>
+          <a:extLst>
+            <a:ext uri="{909E8E84-426E-40DD-AFC4-6F175D3DCCD1}">
+              <a14:hiddenFill xmlns:a14="http://schemas.microsoft.com/office/drawing/2010/main">
+                <a:solidFill>
+                  <a:srgbClr val="FFFFFF"/>
+                </a:solidFill>
+              </a14:hiddenFill>
+            </a:ext>
+          </a:extLst>
+        </p:spPr>
+      </p:pic>
+      <p:sp>
+        <p:nvSpPr>
+          <p:cNvPr id="23" name="Freccia a destra 22">
+            <a:extLst>
+              <a:ext uri="{FF2B5EF4-FFF2-40B4-BE49-F238E27FC236}">
+                <a16:creationId xmlns:a16="http://schemas.microsoft.com/office/drawing/2014/main" id="{44272EC6-D0DB-459D-97E0-DC9A11163B18}"/>
+              </a:ext>
+            </a:extLst>
+          </p:cNvPr>
+          <p:cNvSpPr/>
+          <p:nvPr/>
+        </p:nvSpPr>
+        <p:spPr>
+          <a:xfrm>
+            <a:off x="3226769" y="881438"/>
+            <a:ext cx="1563841" cy="659876"/>
+          </a:xfrm>
+          <a:prstGeom prst="rightArrow">
+            <a:avLst>
+              <a:gd name="adj1" fmla="val 50000"/>
+              <a:gd name="adj2" fmla="val 50000"/>
+            </a:avLst>
+          </a:prstGeom>
+          <a:gradFill>
+            <a:gsLst>
+              <a:gs pos="71000">
+                <a:schemeClr val="accent6"/>
+              </a:gs>
+              <a:gs pos="0">
+                <a:schemeClr val="tx1"/>
+              </a:gs>
+            </a:gsLst>
+            <a:path path="circle">
+              <a:fillToRect l="50000" t="50000" r="50000" b="50000"/>
+            </a:path>
+          </a:gradFill>
+        </p:spPr>
+        <p:style>
+          <a:lnRef idx="2">
+            <a:schemeClr val="accent1">
+              <a:shade val="50000"/>
+            </a:schemeClr>
+          </a:lnRef>
+          <a:fillRef idx="1">
+            <a:schemeClr val="accent1"/>
+          </a:fillRef>
+          <a:effectRef idx="0">
+            <a:schemeClr val="accent1"/>
+          </a:effectRef>
+          <a:fontRef idx="minor">
+            <a:schemeClr val="lt1"/>
+          </a:fontRef>
+        </p:style>
+        <p:txBody>
+          <a:bodyPr rtlCol="0" anchor="ctr"/>
+          <a:lstStyle/>
+          <a:p>
+            <a:pPr algn="ctr"/>
+            <a:endParaRPr lang="it-IT"/>
+          </a:p>
+        </p:txBody>
+      </p:sp>
+      <p:sp>
+        <p:nvSpPr>
+          <p:cNvPr id="24" name="CasellaDiTesto 23">
+            <a:extLst>
+              <a:ext uri="{FF2B5EF4-FFF2-40B4-BE49-F238E27FC236}">
+                <a16:creationId xmlns:a16="http://schemas.microsoft.com/office/drawing/2014/main" id="{225BE130-AC4A-4C59-B5BF-957E5BB66250}"/>
+              </a:ext>
+            </a:extLst>
+          </p:cNvPr>
+          <p:cNvSpPr txBox="1"/>
+          <p:nvPr/>
+        </p:nvSpPr>
+        <p:spPr>
+          <a:xfrm>
+            <a:off x="2143469" y="1646358"/>
+            <a:ext cx="725968" cy="369332"/>
+          </a:xfrm>
+          <a:prstGeom prst="rect">
+            <a:avLst/>
+          </a:prstGeom>
+          <a:noFill/>
+        </p:spPr>
+        <p:txBody>
+          <a:bodyPr wrap="none" rtlCol="0">
+            <a:spAutoFit/>
+          </a:bodyPr>
+          <a:lstStyle/>
+          <a:p>
+            <a:r>
+              <a:rPr lang="en-US" dirty="0"/>
+              <a:t>Client</a:t>
+            </a:r>
+            <a:endParaRPr lang="it-IT" dirty="0"/>
+          </a:p>
+        </p:txBody>
+      </p:sp>
+      <p:sp>
+        <p:nvSpPr>
+          <p:cNvPr id="25" name="Freccia bidirezionale verticale 24">
+            <a:extLst>
+              <a:ext uri="{FF2B5EF4-FFF2-40B4-BE49-F238E27FC236}">
+                <a16:creationId xmlns:a16="http://schemas.microsoft.com/office/drawing/2014/main" id="{13C4B782-0889-427F-8CA5-0471160D731D}"/>
+              </a:ext>
+            </a:extLst>
+          </p:cNvPr>
+          <p:cNvSpPr/>
+          <p:nvPr/>
+        </p:nvSpPr>
+        <p:spPr>
+          <a:xfrm>
+            <a:off x="5939098" y="1709987"/>
+            <a:ext cx="537279" cy="1509935"/>
+          </a:xfrm>
+          <a:prstGeom prst="upDownArrow">
+            <a:avLst/>
+          </a:prstGeom>
+          <a:gradFill>
+            <a:gsLst>
+              <a:gs pos="71000">
+                <a:schemeClr val="accent6"/>
+              </a:gs>
+              <a:gs pos="0">
+                <a:schemeClr val="accent5"/>
+              </a:gs>
+            </a:gsLst>
+            <a:path path="circle">
+              <a:fillToRect l="50000" t="50000" r="50000" b="50000"/>
+            </a:path>
+          </a:gradFill>
+        </p:spPr>
+        <p:style>
+          <a:lnRef idx="2">
+            <a:schemeClr val="accent1">
+              <a:shade val="50000"/>
+            </a:schemeClr>
+          </a:lnRef>
+          <a:fillRef idx="1">
+            <a:schemeClr val="accent1"/>
+          </a:fillRef>
+          <a:effectRef idx="0">
+            <a:schemeClr val="accent1"/>
+          </a:effectRef>
+          <a:fontRef idx="minor">
+            <a:schemeClr val="lt1"/>
+          </a:fontRef>
+        </p:style>
+        <p:txBody>
+          <a:bodyPr rtlCol="0" anchor="ctr"/>
+          <a:lstStyle/>
+          <a:p>
+            <a:pPr algn="ctr"/>
+            <a:endParaRPr lang="it-IT"/>
+          </a:p>
+        </p:txBody>
+      </p:sp>
+      <p:sp>
+        <p:nvSpPr>
+          <p:cNvPr id="26" name="Freccia a destra 25">
+            <a:extLst>
+              <a:ext uri="{FF2B5EF4-FFF2-40B4-BE49-F238E27FC236}">
+                <a16:creationId xmlns:a16="http://schemas.microsoft.com/office/drawing/2014/main" id="{C12424EB-F5B2-4B95-AA04-3560BFA4F98C}"/>
+              </a:ext>
+            </a:extLst>
+          </p:cNvPr>
+          <p:cNvSpPr/>
+          <p:nvPr/>
+        </p:nvSpPr>
+        <p:spPr>
+          <a:xfrm rot="20151084" flipH="1">
+            <a:off x="3899287" y="3479720"/>
+            <a:ext cx="1943522" cy="246277"/>
+          </a:xfrm>
+          <a:prstGeom prst="rightArrow">
+            <a:avLst/>
+          </a:prstGeom>
+          <a:gradFill>
+            <a:gsLst>
+              <a:gs pos="100000">
+                <a:schemeClr val="accent6"/>
+              </a:gs>
+              <a:gs pos="59000">
+                <a:schemeClr val="accent5"/>
+              </a:gs>
+            </a:gsLst>
+            <a:path path="circle">
+              <a:fillToRect l="50000" t="50000" r="50000" b="50000"/>
+            </a:path>
+          </a:gradFill>
+        </p:spPr>
+        <p:style>
+          <a:lnRef idx="2">
+            <a:schemeClr val="accent1">
+              <a:shade val="50000"/>
+            </a:schemeClr>
+          </a:lnRef>
+          <a:fillRef idx="1">
+            <a:schemeClr val="accent1"/>
+          </a:fillRef>
+          <a:effectRef idx="0">
+            <a:schemeClr val="accent1"/>
+          </a:effectRef>
+          <a:fontRef idx="minor">
+            <a:schemeClr val="lt1"/>
+          </a:fontRef>
+        </p:style>
+        <p:txBody>
+          <a:bodyPr rtlCol="0" anchor="ctr"/>
+          <a:lstStyle/>
+          <a:p>
+            <a:pPr algn="ctr"/>
+            <a:endParaRPr lang="it-IT"/>
+          </a:p>
+        </p:txBody>
+      </p:sp>
+      <p:sp>
+        <p:nvSpPr>
+          <p:cNvPr id="28" name="Freccia a destra 27">
+            <a:extLst>
+              <a:ext uri="{FF2B5EF4-FFF2-40B4-BE49-F238E27FC236}">
+                <a16:creationId xmlns:a16="http://schemas.microsoft.com/office/drawing/2014/main" id="{1ED620C4-C5D8-4231-88A5-973F733020CA}"/>
+              </a:ext>
+            </a:extLst>
+          </p:cNvPr>
+          <p:cNvSpPr/>
+          <p:nvPr/>
+        </p:nvSpPr>
+        <p:spPr>
+          <a:xfrm rot="12267420" flipH="1">
+            <a:off x="6530510" y="3475226"/>
+            <a:ext cx="1943522" cy="246277"/>
+          </a:xfrm>
+          <a:prstGeom prst="rightArrow">
+            <a:avLst/>
+          </a:prstGeom>
+          <a:gradFill>
+            <a:gsLst>
+              <a:gs pos="100000">
+                <a:schemeClr val="accent6"/>
+              </a:gs>
+              <a:gs pos="59000">
+                <a:schemeClr val="accent5"/>
+              </a:gs>
+            </a:gsLst>
+            <a:path path="circle">
+              <a:fillToRect l="50000" t="50000" r="50000" b="50000"/>
+            </a:path>
+          </a:gradFill>
+        </p:spPr>
+        <p:style>
+          <a:lnRef idx="2">
+            <a:schemeClr val="accent1">
+              <a:shade val="50000"/>
+            </a:schemeClr>
+          </a:lnRef>
+          <a:fillRef idx="1">
+            <a:schemeClr val="accent1"/>
+          </a:fillRef>
+          <a:effectRef idx="0">
+            <a:schemeClr val="accent1"/>
+          </a:effectRef>
+          <a:fontRef idx="minor">
+            <a:schemeClr val="lt1"/>
+          </a:fontRef>
+        </p:style>
+        <p:txBody>
+          <a:bodyPr rtlCol="0" anchor="ctr"/>
+          <a:lstStyle/>
+          <a:p>
+            <a:pPr algn="ctr"/>
+            <a:endParaRPr lang="it-IT"/>
+          </a:p>
+        </p:txBody>
+      </p:sp>
+      <p:sp>
+        <p:nvSpPr>
+          <p:cNvPr id="29" name="Freccia a destra 28">
+            <a:extLst>
+              <a:ext uri="{FF2B5EF4-FFF2-40B4-BE49-F238E27FC236}">
+                <a16:creationId xmlns:a16="http://schemas.microsoft.com/office/drawing/2014/main" id="{E5137D53-8EC8-49C8-909B-405AF7701CD0}"/>
+              </a:ext>
+            </a:extLst>
+          </p:cNvPr>
+          <p:cNvSpPr/>
+          <p:nvPr/>
+        </p:nvSpPr>
+        <p:spPr>
+          <a:xfrm rot="16200000" flipH="1">
+            <a:off x="5895832" y="3514941"/>
+            <a:ext cx="623810" cy="246277"/>
+          </a:xfrm>
+          <a:prstGeom prst="rightArrow">
+            <a:avLst/>
+          </a:prstGeom>
+          <a:gradFill>
+            <a:gsLst>
+              <a:gs pos="100000">
+                <a:schemeClr val="accent6"/>
+              </a:gs>
+              <a:gs pos="59000">
+                <a:schemeClr val="accent5"/>
+              </a:gs>
+            </a:gsLst>
+            <a:path path="circle">
+              <a:fillToRect l="50000" t="50000" r="50000" b="50000"/>
+            </a:path>
+          </a:gradFill>
+        </p:spPr>
+        <p:style>
+          <a:lnRef idx="2">
+            <a:schemeClr val="accent1">
+              <a:shade val="50000"/>
+            </a:schemeClr>
+          </a:lnRef>
+          <a:fillRef idx="1">
+            <a:schemeClr val="accent1"/>
+          </a:fillRef>
+          <a:effectRef idx="0">
+            <a:schemeClr val="accent1"/>
+          </a:effectRef>
+          <a:fontRef idx="minor">
+            <a:schemeClr val="lt1"/>
+          </a:fontRef>
+        </p:style>
+        <p:txBody>
+          <a:bodyPr rtlCol="0" anchor="ctr"/>
+          <a:lstStyle/>
+          <a:p>
+            <a:pPr algn="ctr"/>
+            <a:endParaRPr lang="it-IT"/>
+          </a:p>
+        </p:txBody>
+      </p:sp>
+      <p:sp>
+        <p:nvSpPr>
+          <p:cNvPr id="27" name="Freccia bidirezionale verticale 26">
+            <a:extLst>
+              <a:ext uri="{FF2B5EF4-FFF2-40B4-BE49-F238E27FC236}">
+                <a16:creationId xmlns:a16="http://schemas.microsoft.com/office/drawing/2014/main" id="{E087CE99-377E-443A-B6C5-27C933003FBC}"/>
+              </a:ext>
+            </a:extLst>
+          </p:cNvPr>
+          <p:cNvSpPr/>
+          <p:nvPr/>
+        </p:nvSpPr>
+        <p:spPr>
+          <a:xfrm rot="6525470">
+            <a:off x="8199583" y="789383"/>
+            <a:ext cx="300381" cy="2178619"/>
+          </a:xfrm>
+          <a:prstGeom prst="upDownArrow">
+            <a:avLst>
+              <a:gd name="adj1" fmla="val 50000"/>
+              <a:gd name="adj2" fmla="val 59953"/>
+            </a:avLst>
+          </a:prstGeom>
+          <a:gradFill>
+            <a:gsLst>
+              <a:gs pos="100000">
+                <a:schemeClr val="accent6"/>
+              </a:gs>
+              <a:gs pos="59000">
+                <a:schemeClr val="accent2"/>
+              </a:gs>
+            </a:gsLst>
+            <a:path path="circle">
+              <a:fillToRect l="50000" t="50000" r="50000" b="50000"/>
+            </a:path>
+          </a:gradFill>
+        </p:spPr>
+        <p:style>
+          <a:lnRef idx="2">
+            <a:schemeClr val="accent1">
+              <a:shade val="50000"/>
+            </a:schemeClr>
+          </a:lnRef>
+          <a:fillRef idx="1">
+            <a:schemeClr val="accent1"/>
+          </a:fillRef>
+          <a:effectRef idx="0">
+            <a:schemeClr val="accent1"/>
+          </a:effectRef>
+          <a:fontRef idx="minor">
+            <a:schemeClr val="lt1"/>
+          </a:fontRef>
+        </p:style>
+        <p:txBody>
+          <a:bodyPr rtlCol="0" anchor="ctr"/>
+          <a:lstStyle/>
+          <a:p>
+            <a:pPr algn="ctr"/>
+            <a:endParaRPr lang="it-IT"/>
+          </a:p>
+        </p:txBody>
+      </p:sp>
+      <p:sp>
+        <p:nvSpPr>
+          <p:cNvPr id="33" name="Freccia bidirezionale verticale 32">
+            <a:extLst>
+              <a:ext uri="{FF2B5EF4-FFF2-40B4-BE49-F238E27FC236}">
+                <a16:creationId xmlns:a16="http://schemas.microsoft.com/office/drawing/2014/main" id="{444F446E-8C84-4D70-8832-0F742AFC1527}"/>
+              </a:ext>
+            </a:extLst>
+          </p:cNvPr>
+          <p:cNvSpPr/>
+          <p:nvPr/>
+        </p:nvSpPr>
+        <p:spPr>
+          <a:xfrm rot="4658052">
+            <a:off x="7921385" y="1405315"/>
+            <a:ext cx="300381" cy="2717420"/>
+          </a:xfrm>
+          <a:prstGeom prst="upDownArrow">
+            <a:avLst>
+              <a:gd name="adj1" fmla="val 50000"/>
+              <a:gd name="adj2" fmla="val 59953"/>
+            </a:avLst>
+          </a:prstGeom>
+          <a:gradFill>
+            <a:gsLst>
+              <a:gs pos="100000">
+                <a:schemeClr val="accent5"/>
+              </a:gs>
+              <a:gs pos="59000">
+                <a:schemeClr val="accent2"/>
+              </a:gs>
+            </a:gsLst>
+            <a:path path="circle">
+              <a:fillToRect l="50000" t="50000" r="50000" b="50000"/>
+            </a:path>
+          </a:gradFill>
+        </p:spPr>
+        <p:style>
+          <a:lnRef idx="2">
+            <a:schemeClr val="accent1">
+              <a:shade val="50000"/>
+            </a:schemeClr>
+          </a:lnRef>
+          <a:fillRef idx="1">
+            <a:schemeClr val="accent1"/>
+          </a:fillRef>
+          <a:effectRef idx="0">
+            <a:schemeClr val="accent1"/>
+          </a:effectRef>
+          <a:fontRef idx="minor">
+            <a:schemeClr val="lt1"/>
+          </a:fontRef>
+        </p:style>
+        <p:txBody>
+          <a:bodyPr rtlCol="0" anchor="ctr"/>
+          <a:lstStyle/>
+          <a:p>
+            <a:pPr algn="ctr"/>
+            <a:endParaRPr lang="it-IT"/>
+          </a:p>
+        </p:txBody>
+      </p:sp>
+    </p:spTree>
+    <p:extLst>
+      <p:ext uri="{BB962C8B-B14F-4D97-AF65-F5344CB8AC3E}">
+        <p14:creationId xmlns:p14="http://schemas.microsoft.com/office/powerpoint/2010/main" val="1728414317"/>
       </p:ext>
     </p:extLst>
   </p:cSld>
